--- a/resources/presentations/Fossa_Micel_RP_Poster.pptx
+++ b/resources/presentations/Fossa_Micel_RP_Poster.pptx
@@ -4,6 +4,9 @@
   <p:sldMasterIdLst>
     <p:sldMasterId id="2147483648" r:id="rId1"/>
   </p:sldMasterIdLst>
+  <p:notesMasterIdLst>
+    <p:notesMasterId r:id="rId3"/>
+  </p:notesMasterIdLst>
   <p:sldIdLst>
     <p:sldId id="258" r:id="rId2"/>
   </p:sldIdLst>
@@ -151,6 +154,18 @@
     </p:ext>
   </p:extLst>
 </p:presentation>
+</file>
+
+<file path=ppt/commentAuthors.xml><?xml version="1.0" encoding="utf-8"?>
+<p:cmAuthorLst xmlns:a="http://schemas.openxmlformats.org/drawingml/2006/main" xmlns:r="http://schemas.openxmlformats.org/officeDocument/2006/relationships" xmlns:p="http://schemas.openxmlformats.org/presentationml/2006/main">
+  <p:cmAuthor id="1" name="Giuliana Miceli" initials="GM" lastIdx="2" clrIdx="0">
+    <p:extLst>
+      <p:ext uri="{19B8F6BF-5375-455C-9EA6-DF929625EA0E}">
+        <p15:presenceInfo xmlns:p15="http://schemas.microsoft.com/office/powerpoint/2012/main" userId="5f1c9d0e36796aec" providerId="Windows Live"/>
+      </p:ext>
+    </p:extLst>
+  </p:cmAuthor>
+</p:cmAuthorLst>
 </file>
 
 <file path=ppt/revisionInfo.xml><?xml version="1.0" encoding="utf-8"?>
@@ -638,6 +653,440 @@
 </pc:chgInfo>
 </file>
 
+<file path=ppt/notesMasters/notesMaster1.xml><?xml version="1.0" encoding="utf-8"?>
+<p:notesMaster xmlns:a="http://schemas.openxmlformats.org/drawingml/2006/main" xmlns:r="http://schemas.openxmlformats.org/officeDocument/2006/relationships" xmlns:p="http://schemas.openxmlformats.org/presentationml/2006/main">
+  <p:cSld>
+    <p:bg>
+      <p:bgRef idx="1001">
+        <a:schemeClr val="bg1"/>
+      </p:bgRef>
+    </p:bg>
+    <p:spTree>
+      <p:nvGrpSpPr>
+        <p:cNvPr id="1" name=""/>
+        <p:cNvGrpSpPr/>
+        <p:nvPr/>
+      </p:nvGrpSpPr>
+      <p:grpSpPr>
+        <a:xfrm>
+          <a:off x="0" y="0"/>
+          <a:ext cx="0" cy="0"/>
+          <a:chOff x="0" y="0"/>
+          <a:chExt cx="0" cy="0"/>
+        </a:xfrm>
+      </p:grpSpPr>
+      <p:sp>
+        <p:nvSpPr>
+          <p:cNvPr id="2" name="Segnaposto intestazione 1"/>
+          <p:cNvSpPr>
+            <a:spLocks noGrp="1"/>
+          </p:cNvSpPr>
+          <p:nvPr>
+            <p:ph type="hdr" sz="quarter"/>
+          </p:nvPr>
+        </p:nvSpPr>
+        <p:spPr>
+          <a:xfrm>
+            <a:off x="0" y="0"/>
+            <a:ext cx="2974975" cy="501650"/>
+          </a:xfrm>
+          <a:prstGeom prst="rect">
+            <a:avLst/>
+          </a:prstGeom>
+        </p:spPr>
+        <p:txBody>
+          <a:bodyPr vert="horz" lIns="91440" tIns="45720" rIns="91440" bIns="45720" rtlCol="0"/>
+          <a:lstStyle>
+            <a:lvl1pPr algn="l">
+              <a:defRPr sz="1200"/>
+            </a:lvl1pPr>
+          </a:lstStyle>
+          <a:p>
+            <a:endParaRPr lang="en-US"/>
+          </a:p>
+        </p:txBody>
+      </p:sp>
+      <p:sp>
+        <p:nvSpPr>
+          <p:cNvPr id="3" name="Segnaposto data 2"/>
+          <p:cNvSpPr>
+            <a:spLocks noGrp="1"/>
+          </p:cNvSpPr>
+          <p:nvPr>
+            <p:ph type="dt" idx="1"/>
+          </p:nvPr>
+        </p:nvSpPr>
+        <p:spPr>
+          <a:xfrm>
+            <a:off x="3887788" y="0"/>
+            <a:ext cx="2974975" cy="501650"/>
+          </a:xfrm>
+          <a:prstGeom prst="rect">
+            <a:avLst/>
+          </a:prstGeom>
+        </p:spPr>
+        <p:txBody>
+          <a:bodyPr vert="horz" lIns="91440" tIns="45720" rIns="91440" bIns="45720" rtlCol="0"/>
+          <a:lstStyle>
+            <a:lvl1pPr algn="r">
+              <a:defRPr sz="1200"/>
+            </a:lvl1pPr>
+          </a:lstStyle>
+          <a:p>
+            <a:fld id="{EB12BB51-F5E5-45AB-86C3-843C293A8451}" type="datetimeFigureOut">
+              <a:rPr lang="en-US" smtClean="0"/>
+              <a:t>11/19/2019</a:t>
+            </a:fld>
+            <a:endParaRPr lang="en-US"/>
+          </a:p>
+        </p:txBody>
+      </p:sp>
+      <p:sp>
+        <p:nvSpPr>
+          <p:cNvPr id="4" name="Segnaposto immagine diapositiva 3"/>
+          <p:cNvSpPr>
+            <a:spLocks noGrp="1" noRot="1" noChangeAspect="1"/>
+          </p:cNvSpPr>
+          <p:nvPr>
+            <p:ph type="sldImg" idx="2"/>
+          </p:nvPr>
+        </p:nvSpPr>
+        <p:spPr>
+          <a:xfrm>
+            <a:off x="2239963" y="1249363"/>
+            <a:ext cx="2384425" cy="3373437"/>
+          </a:xfrm>
+          <a:prstGeom prst="rect">
+            <a:avLst/>
+          </a:prstGeom>
+          <a:noFill/>
+          <a:ln w="12700">
+            <a:solidFill>
+              <a:prstClr val="black"/>
+            </a:solidFill>
+          </a:ln>
+        </p:spPr>
+        <p:txBody>
+          <a:bodyPr vert="horz" lIns="91440" tIns="45720" rIns="91440" bIns="45720" rtlCol="0" anchor="ctr"/>
+          <a:lstStyle/>
+          <a:p>
+            <a:endParaRPr lang="en-US"/>
+          </a:p>
+        </p:txBody>
+      </p:sp>
+      <p:sp>
+        <p:nvSpPr>
+          <p:cNvPr id="5" name="Segnaposto note 4"/>
+          <p:cNvSpPr>
+            <a:spLocks noGrp="1"/>
+          </p:cNvSpPr>
+          <p:nvPr>
+            <p:ph type="body" sz="quarter" idx="3"/>
+          </p:nvPr>
+        </p:nvSpPr>
+        <p:spPr>
+          <a:xfrm>
+            <a:off x="685800" y="4810125"/>
+            <a:ext cx="5492750" cy="3935413"/>
+          </a:xfrm>
+          <a:prstGeom prst="rect">
+            <a:avLst/>
+          </a:prstGeom>
+        </p:spPr>
+        <p:txBody>
+          <a:bodyPr vert="horz" lIns="91440" tIns="45720" rIns="91440" bIns="45720" rtlCol="0"/>
+          <a:lstStyle/>
+          <a:p>
+            <a:pPr lvl="0"/>
+            <a:r>
+              <a:rPr lang="it-IT"/>
+              <a:t>Fare clic per modificare gli stili del testo dello schema</a:t>
+            </a:r>
+          </a:p>
+          <a:p>
+            <a:pPr lvl="1"/>
+            <a:r>
+              <a:rPr lang="it-IT"/>
+              <a:t>Secondo livello</a:t>
+            </a:r>
+          </a:p>
+          <a:p>
+            <a:pPr lvl="2"/>
+            <a:r>
+              <a:rPr lang="it-IT"/>
+              <a:t>Terzo livello</a:t>
+            </a:r>
+          </a:p>
+          <a:p>
+            <a:pPr lvl="3"/>
+            <a:r>
+              <a:rPr lang="it-IT"/>
+              <a:t>Quarto livello</a:t>
+            </a:r>
+          </a:p>
+          <a:p>
+            <a:pPr lvl="4"/>
+            <a:r>
+              <a:rPr lang="it-IT"/>
+              <a:t>Quinto livello</a:t>
+            </a:r>
+            <a:endParaRPr lang="en-US"/>
+          </a:p>
+        </p:txBody>
+      </p:sp>
+      <p:sp>
+        <p:nvSpPr>
+          <p:cNvPr id="6" name="Segnaposto piè di pagina 5"/>
+          <p:cNvSpPr>
+            <a:spLocks noGrp="1"/>
+          </p:cNvSpPr>
+          <p:nvPr>
+            <p:ph type="ftr" sz="quarter" idx="4"/>
+          </p:nvPr>
+        </p:nvSpPr>
+        <p:spPr>
+          <a:xfrm>
+            <a:off x="0" y="9493250"/>
+            <a:ext cx="2974975" cy="501650"/>
+          </a:xfrm>
+          <a:prstGeom prst="rect">
+            <a:avLst/>
+          </a:prstGeom>
+        </p:spPr>
+        <p:txBody>
+          <a:bodyPr vert="horz" lIns="91440" tIns="45720" rIns="91440" bIns="45720" rtlCol="0" anchor="b"/>
+          <a:lstStyle>
+            <a:lvl1pPr algn="l">
+              <a:defRPr sz="1200"/>
+            </a:lvl1pPr>
+          </a:lstStyle>
+          <a:p>
+            <a:endParaRPr lang="en-US"/>
+          </a:p>
+        </p:txBody>
+      </p:sp>
+      <p:sp>
+        <p:nvSpPr>
+          <p:cNvPr id="7" name="Segnaposto numero diapositiva 6"/>
+          <p:cNvSpPr>
+            <a:spLocks noGrp="1"/>
+          </p:cNvSpPr>
+          <p:nvPr>
+            <p:ph type="sldNum" sz="quarter" idx="5"/>
+          </p:nvPr>
+        </p:nvSpPr>
+        <p:spPr>
+          <a:xfrm>
+            <a:off x="3887788" y="9493250"/>
+            <a:ext cx="2974975" cy="501650"/>
+          </a:xfrm>
+          <a:prstGeom prst="rect">
+            <a:avLst/>
+          </a:prstGeom>
+        </p:spPr>
+        <p:txBody>
+          <a:bodyPr vert="horz" lIns="91440" tIns="45720" rIns="91440" bIns="45720" rtlCol="0" anchor="b"/>
+          <a:lstStyle>
+            <a:lvl1pPr algn="r">
+              <a:defRPr sz="1200"/>
+            </a:lvl1pPr>
+          </a:lstStyle>
+          <a:p>
+            <a:fld id="{D461DFE0-1DB8-4100-BDFA-E4CCE409B166}" type="slidenum">
+              <a:rPr lang="en-US" smtClean="0"/>
+              <a:t>‹N›</a:t>
+            </a:fld>
+            <a:endParaRPr lang="en-US"/>
+          </a:p>
+        </p:txBody>
+      </p:sp>
+    </p:spTree>
+    <p:extLst>
+      <p:ext uri="{BB962C8B-B14F-4D97-AF65-F5344CB8AC3E}">
+        <p14:creationId xmlns:p14="http://schemas.microsoft.com/office/powerpoint/2010/main" val="2096787779"/>
+      </p:ext>
+    </p:extLst>
+  </p:cSld>
+  <p:clrMap bg1="lt1" tx1="dk1" bg2="lt2" tx2="dk2" accent1="accent1" accent2="accent2" accent3="accent3" accent4="accent4" accent5="accent5" accent6="accent6" hlink="hlink" folHlink="folHlink"/>
+  <p:notesStyle>
+    <a:lvl1pPr marL="0" algn="l" defTabSz="914400" rtl="0" eaLnBrk="1" latinLnBrk="0" hangingPunct="1">
+      <a:defRPr sz="1200" kern="1200">
+        <a:solidFill>
+          <a:schemeClr val="tx1"/>
+        </a:solidFill>
+        <a:latin typeface="+mn-lt"/>
+        <a:ea typeface="+mn-ea"/>
+        <a:cs typeface="+mn-cs"/>
+      </a:defRPr>
+    </a:lvl1pPr>
+    <a:lvl2pPr marL="457200" algn="l" defTabSz="914400" rtl="0" eaLnBrk="1" latinLnBrk="0" hangingPunct="1">
+      <a:defRPr sz="1200" kern="1200">
+        <a:solidFill>
+          <a:schemeClr val="tx1"/>
+        </a:solidFill>
+        <a:latin typeface="+mn-lt"/>
+        <a:ea typeface="+mn-ea"/>
+        <a:cs typeface="+mn-cs"/>
+      </a:defRPr>
+    </a:lvl2pPr>
+    <a:lvl3pPr marL="914400" algn="l" defTabSz="914400" rtl="0" eaLnBrk="1" latinLnBrk="0" hangingPunct="1">
+      <a:defRPr sz="1200" kern="1200">
+        <a:solidFill>
+          <a:schemeClr val="tx1"/>
+        </a:solidFill>
+        <a:latin typeface="+mn-lt"/>
+        <a:ea typeface="+mn-ea"/>
+        <a:cs typeface="+mn-cs"/>
+      </a:defRPr>
+    </a:lvl3pPr>
+    <a:lvl4pPr marL="1371600" algn="l" defTabSz="914400" rtl="0" eaLnBrk="1" latinLnBrk="0" hangingPunct="1">
+      <a:defRPr sz="1200" kern="1200">
+        <a:solidFill>
+          <a:schemeClr val="tx1"/>
+        </a:solidFill>
+        <a:latin typeface="+mn-lt"/>
+        <a:ea typeface="+mn-ea"/>
+        <a:cs typeface="+mn-cs"/>
+      </a:defRPr>
+    </a:lvl4pPr>
+    <a:lvl5pPr marL="1828800" algn="l" defTabSz="914400" rtl="0" eaLnBrk="1" latinLnBrk="0" hangingPunct="1">
+      <a:defRPr sz="1200" kern="1200">
+        <a:solidFill>
+          <a:schemeClr val="tx1"/>
+        </a:solidFill>
+        <a:latin typeface="+mn-lt"/>
+        <a:ea typeface="+mn-ea"/>
+        <a:cs typeface="+mn-cs"/>
+      </a:defRPr>
+    </a:lvl5pPr>
+    <a:lvl6pPr marL="2286000" algn="l" defTabSz="914400" rtl="0" eaLnBrk="1" latinLnBrk="0" hangingPunct="1">
+      <a:defRPr sz="1200" kern="1200">
+        <a:solidFill>
+          <a:schemeClr val="tx1"/>
+        </a:solidFill>
+        <a:latin typeface="+mn-lt"/>
+        <a:ea typeface="+mn-ea"/>
+        <a:cs typeface="+mn-cs"/>
+      </a:defRPr>
+    </a:lvl6pPr>
+    <a:lvl7pPr marL="2743200" algn="l" defTabSz="914400" rtl="0" eaLnBrk="1" latinLnBrk="0" hangingPunct="1">
+      <a:defRPr sz="1200" kern="1200">
+        <a:solidFill>
+          <a:schemeClr val="tx1"/>
+        </a:solidFill>
+        <a:latin typeface="+mn-lt"/>
+        <a:ea typeface="+mn-ea"/>
+        <a:cs typeface="+mn-cs"/>
+      </a:defRPr>
+    </a:lvl7pPr>
+    <a:lvl8pPr marL="3200400" algn="l" defTabSz="914400" rtl="0" eaLnBrk="1" latinLnBrk="0" hangingPunct="1">
+      <a:defRPr sz="1200" kern="1200">
+        <a:solidFill>
+          <a:schemeClr val="tx1"/>
+        </a:solidFill>
+        <a:latin typeface="+mn-lt"/>
+        <a:ea typeface="+mn-ea"/>
+        <a:cs typeface="+mn-cs"/>
+      </a:defRPr>
+    </a:lvl8pPr>
+    <a:lvl9pPr marL="3657600" algn="l" defTabSz="914400" rtl="0" eaLnBrk="1" latinLnBrk="0" hangingPunct="1">
+      <a:defRPr sz="1200" kern="1200">
+        <a:solidFill>
+          <a:schemeClr val="tx1"/>
+        </a:solidFill>
+        <a:latin typeface="+mn-lt"/>
+        <a:ea typeface="+mn-ea"/>
+        <a:cs typeface="+mn-cs"/>
+      </a:defRPr>
+    </a:lvl9pPr>
+  </p:notesStyle>
+</p:notesMaster>
+</file>
+
+<file path=ppt/notesSlides/notesSlide1.xml><?xml version="1.0" encoding="utf-8"?>
+<p:notes xmlns:a="http://schemas.openxmlformats.org/drawingml/2006/main" xmlns:r="http://schemas.openxmlformats.org/officeDocument/2006/relationships" xmlns:p="http://schemas.openxmlformats.org/presentationml/2006/main">
+  <p:cSld>
+    <p:spTree>
+      <p:nvGrpSpPr>
+        <p:cNvPr id="1" name=""/>
+        <p:cNvGrpSpPr/>
+        <p:nvPr/>
+      </p:nvGrpSpPr>
+      <p:grpSpPr>
+        <a:xfrm>
+          <a:off x="0" y="0"/>
+          <a:ext cx="0" cy="0"/>
+          <a:chOff x="0" y="0"/>
+          <a:chExt cx="0" cy="0"/>
+        </a:xfrm>
+      </p:grpSpPr>
+      <p:sp>
+        <p:nvSpPr>
+          <p:cNvPr id="2" name="Segnaposto immagine diapositiva 1"/>
+          <p:cNvSpPr>
+            <a:spLocks noGrp="1" noRot="1" noChangeAspect="1"/>
+          </p:cNvSpPr>
+          <p:nvPr>
+            <p:ph type="sldImg"/>
+          </p:nvPr>
+        </p:nvSpPr>
+        <p:spPr/>
+      </p:sp>
+      <p:sp>
+        <p:nvSpPr>
+          <p:cNvPr id="3" name="Segnaposto note 2"/>
+          <p:cNvSpPr>
+            <a:spLocks noGrp="1"/>
+          </p:cNvSpPr>
+          <p:nvPr>
+            <p:ph type="body" idx="1"/>
+          </p:nvPr>
+        </p:nvSpPr>
+        <p:spPr/>
+        <p:txBody>
+          <a:bodyPr/>
+          <a:lstStyle/>
+          <a:p>
+            <a:endParaRPr lang="en-US" dirty="0"/>
+          </a:p>
+        </p:txBody>
+      </p:sp>
+      <p:sp>
+        <p:nvSpPr>
+          <p:cNvPr id="4" name="Segnaposto numero diapositiva 3"/>
+          <p:cNvSpPr>
+            <a:spLocks noGrp="1"/>
+          </p:cNvSpPr>
+          <p:nvPr>
+            <p:ph type="sldNum" sz="quarter" idx="5"/>
+          </p:nvPr>
+        </p:nvSpPr>
+        <p:spPr/>
+        <p:txBody>
+          <a:bodyPr/>
+          <a:lstStyle/>
+          <a:p>
+            <a:fld id="{D461DFE0-1DB8-4100-BDFA-E4CCE409B166}" type="slidenum">
+              <a:rPr lang="en-US" smtClean="0"/>
+              <a:t>1</a:t>
+            </a:fld>
+            <a:endParaRPr lang="en-US"/>
+          </a:p>
+        </p:txBody>
+      </p:sp>
+    </p:spTree>
+    <p:extLst>
+      <p:ext uri="{BB962C8B-B14F-4D97-AF65-F5344CB8AC3E}">
+        <p14:creationId xmlns:p14="http://schemas.microsoft.com/office/powerpoint/2010/main" val="4289521224"/>
+      </p:ext>
+    </p:extLst>
+  </p:cSld>
+  <p:clrMapOvr>
+    <a:masterClrMapping/>
+  </p:clrMapOvr>
+</p:notes>
+</file>
+
 <file path=ppt/slideLayouts/slideLayout1.xml><?xml version="1.0" encoding="utf-8"?>
 <p:sldLayout xmlns:a="http://schemas.openxmlformats.org/drawingml/2006/main" xmlns:r="http://schemas.openxmlformats.org/officeDocument/2006/relationships" xmlns:p="http://schemas.openxmlformats.org/presentationml/2006/main" type="title" preserve="1">
   <p:cSld name="Slide de título">
@@ -824,7 +1273,7 @@
             </a:pPr>
             <a:fld id="{2FC5A675-4772-45D3-B6B5-0827A448FFED}" type="datetimeFigureOut">
               <a:rPr lang="pt-BR"/>
-              <a:t>17/11/2019</a:t>
+              <a:t>19/11/2019</a:t>
             </a:fld>
             <a:endParaRPr lang="pt-BR"/>
           </a:p>
@@ -1008,7 +1457,7 @@
             </a:pPr>
             <a:fld id="{B240C3F4-D1B4-400D-94A2-4A2014FDF4E5}" type="datetimeFigureOut">
               <a:rPr lang="pt-BR"/>
-              <a:t>17/11/2019</a:t>
+              <a:t>19/11/2019</a:t>
             </a:fld>
             <a:endParaRPr lang="pt-BR"/>
           </a:p>
@@ -1202,7 +1651,7 @@
             </a:pPr>
             <a:fld id="{15C0DA9C-0B99-4E55-9E73-2206916F0CB7}" type="datetimeFigureOut">
               <a:rPr lang="pt-BR"/>
-              <a:t>17/11/2019</a:t>
+              <a:t>19/11/2019</a:t>
             </a:fld>
             <a:endParaRPr lang="pt-BR"/>
           </a:p>
@@ -1386,7 +1835,7 @@
             </a:pPr>
             <a:fld id="{09462C25-355C-449C-9927-0ACA2C789D9B}" type="datetimeFigureOut">
               <a:rPr lang="pt-BR"/>
-              <a:t>17/11/2019</a:t>
+              <a:t>19/11/2019</a:t>
             </a:fld>
             <a:endParaRPr lang="pt-BR"/>
           </a:p>
@@ -1647,7 +2096,7 @@
             </a:pPr>
             <a:fld id="{4C85D951-8D81-4365-B40A-5903A4FF4D00}" type="datetimeFigureOut">
               <a:rPr lang="pt-BR"/>
-              <a:t>17/11/2019</a:t>
+              <a:t>19/11/2019</a:t>
             </a:fld>
             <a:endParaRPr lang="pt-BR"/>
           </a:p>
@@ -1948,7 +2397,7 @@
             </a:pPr>
             <a:fld id="{BF0C09A3-43DC-4153-ABB6-0985FCDBE983}" type="datetimeFigureOut">
               <a:rPr lang="pt-BR"/>
-              <a:t>17/11/2019</a:t>
+              <a:t>19/11/2019</a:t>
             </a:fld>
             <a:endParaRPr lang="pt-BR"/>
           </a:p>
@@ -2388,7 +2837,7 @@
             </a:pPr>
             <a:fld id="{12975859-22EF-4D61-A5A5-05C989EB2E0A}" type="datetimeFigureOut">
               <a:rPr lang="pt-BR"/>
-              <a:t>17/11/2019</a:t>
+              <a:t>19/11/2019</a:t>
             </a:fld>
             <a:endParaRPr lang="pt-BR"/>
           </a:p>
@@ -2521,7 +2970,7 @@
             </a:pPr>
             <a:fld id="{06B2D30B-04BE-47FE-B363-E3D8A8E6DF81}" type="datetimeFigureOut">
               <a:rPr lang="pt-BR"/>
-              <a:t>17/11/2019</a:t>
+              <a:t>19/11/2019</a:t>
             </a:fld>
             <a:endParaRPr lang="pt-BR"/>
           </a:p>
@@ -2632,7 +3081,7 @@
             </a:pPr>
             <a:fld id="{846EFA32-C59B-4ADA-8209-2B65893AF38C}" type="datetimeFigureOut">
               <a:rPr lang="pt-BR"/>
-              <a:t>17/11/2019</a:t>
+              <a:t>19/11/2019</a:t>
             </a:fld>
             <a:endParaRPr lang="pt-BR"/>
           </a:p>
@@ -2923,7 +3372,7 @@
             </a:pPr>
             <a:fld id="{DB963F24-369B-4E7C-9372-C22763B9D908}" type="datetimeFigureOut">
               <a:rPr lang="pt-BR"/>
-              <a:t>17/11/2019</a:t>
+              <a:t>19/11/2019</a:t>
             </a:fld>
             <a:endParaRPr lang="pt-BR"/>
           </a:p>
@@ -3194,7 +3643,7 @@
             </a:pPr>
             <a:fld id="{6A0830F5-9BFF-47AE-8689-216AAD907356}" type="datetimeFigureOut">
               <a:rPr lang="pt-BR"/>
-              <a:t>17/11/2019</a:t>
+              <a:t>19/11/2019</a:t>
             </a:fld>
             <a:endParaRPr lang="pt-BR"/>
           </a:p>
@@ -3470,7 +3919,7 @@
             </a:pPr>
             <a:fld id="{DA23DD2C-62C8-4F8B-8F40-929F53D87560}" type="datetimeFigureOut">
               <a:rPr lang="pt-BR"/>
-              <a:t>17/11/2019</a:t>
+              <a:t>19/11/2019</a:t>
             </a:fld>
             <a:endParaRPr lang="pt-BR"/>
           </a:p>
@@ -4914,7 +5363,7 @@
           <p:nvPr/>
         </p:nvPicPr>
         <p:blipFill>
-          <a:blip r:embed="rId3" cstate="print">
+          <a:blip r:embed="rId4" cstate="print">
             <a:extLst>
               <a:ext uri="{28A0092B-C50C-407E-A947-70E740481C1C}">
                 <a14:useLocalDpi xmlns:a14="http://schemas.microsoft.com/office/drawing/2010/main" val="0"/>
@@ -5159,7 +5608,7 @@
         </p:nvGrpSpPr>
         <p:grpSpPr>
           <a:xfrm>
-            <a:off x="145249" y="5124525"/>
+            <a:off x="145249" y="5054922"/>
             <a:ext cx="10696929" cy="9430643"/>
             <a:chOff x="644514" y="5675669"/>
             <a:chExt cx="10053648" cy="9430643"/>
@@ -5225,7 +5674,7 @@
                 <a:rPr lang="en-US" sz="2400" dirty="0">
                   <a:latin typeface="Georgia Pro" panose="020B0604020202020204" pitchFamily="18" charset="0"/>
                 </a:rPr>
-                <a:t>This study is focused on the analysis of new ascent and descent trajectories from the Moon surface to  different  possible  lunar  orbits,  such  as  Low  Lunar  Orbits  (LLO)  and  Near  Rectilinear  Halo Orbits (NRHO). The objective is to provide a possible answer to the questions arisen after the renewed interest in the Moon exploration and in-situ resources exploitation, as demonstrated by the current development of the Lunar Orbital Platform-Gateway (LOP-G) and the Space Launch System (SLS). The main objective is to determine the most fuel-efficient trajectory for a given final orbit suitable for a crewed reusable launcher, for which different constraints and safety requirements must betaken into account.  </a:t>
+                <a:t>This study is focused on the analysis of new ascent and descent trajectories from the Moon surface to  different  possible  lunar  orbits,  such  as  Low  Lunar  Orbits  (LLO)  and  Near  Rectilinear  Halo Orbits (NRHO). The objective is to provide a possible answer to the questions arisen after the renewed interest in the Moon exploration and in-situ resources exploitation, as demonstrated by the current development of the Lunar Orbital Platform-Gateway (LOP-G) and the Space Launch System (SLS). The main objective is to determine the most fuel-efficient trajectory for a given final orbit suitable for a crewed reusable launcher, for which different constraints and safety requirements must be taken into account.  </a:t>
               </a:r>
             </a:p>
             <a:p>
@@ -5314,7 +5763,7 @@
             <p:nvPr/>
           </p:nvPicPr>
           <p:blipFill>
-            <a:blip r:embed="rId4">
+            <a:blip r:embed="rId5" cstate="print">
               <a:extLst>
                 <a:ext uri="{28A0092B-C50C-407E-A947-70E740481C1C}">
                   <a14:useLocalDpi xmlns:a14="http://schemas.microsoft.com/office/drawing/2010/main" val="0"/>
@@ -5350,7 +5799,7 @@
             <p:nvPr/>
           </p:nvPicPr>
           <p:blipFill rotWithShape="1">
-            <a:blip r:embed="rId5">
+            <a:blip r:embed="rId6">
               <a:extLst>
                 <a:ext uri="{28A0092B-C50C-407E-A947-70E740481C1C}">
                   <a14:useLocalDpi xmlns:a14="http://schemas.microsoft.com/office/drawing/2010/main" val="0"/>
@@ -5441,8 +5890,8 @@
           </p:txBody>
         </p:sp>
       </p:grpSp>
-      <mc:AlternateContent xmlns:mc="http://schemas.openxmlformats.org/markup-compatibility/2006">
-        <mc:Choice xmlns:a14="http://schemas.microsoft.com/office/drawing/2010/main" Requires="a14">
+      <mc:AlternateContent xmlns:mc="http://schemas.openxmlformats.org/markup-compatibility/2006" xmlns:a14="http://schemas.microsoft.com/office/drawing/2010/main">
+        <mc:Choice Requires="a14">
           <p:sp>
             <p:nvSpPr>
               <p:cNvPr id="25" name="CasellaDiTesto 24">
@@ -5691,7 +6140,7 @@
             </p:txBody>
           </p:sp>
         </mc:Choice>
-        <mc:Fallback>
+        <mc:Fallback xmlns="">
           <p:sp>
             <p:nvSpPr>
               <p:cNvPr id="25" name="CasellaDiTesto 24">
@@ -5717,7 +6166,7 @@
                 </a:avLst>
               </a:prstGeom>
               <a:blipFill>
-                <a:blip r:embed="rId6"/>
+                <a:blip r:embed="rId7"/>
                 <a:stretch>
                   <a:fillRect/>
                 </a:stretch>
@@ -5777,12 +6226,12 @@
           <a:graphicData uri="http://schemas.openxmlformats.org/presentationml/2006/ole">
             <mc:AlternateContent xmlns:mc="http://schemas.openxmlformats.org/markup-compatibility/2006">
               <mc:Choice xmlns:v="urn:schemas-microsoft-com:vml" Requires="v">
-                <p:oleObj spid="_x0000_s1026" name="Acrobat Document" r:id="rId7" imgW="0" imgH="0" progId="AcroExch.Document.DC">
+                <p:oleObj spid="_x0000_s1029" name="Acrobat Document" r:id="rId8" imgW="0" imgH="0" progId="AcroExch.Document.DC">
                   <p:embed/>
                 </p:oleObj>
               </mc:Choice>
               <mc:Fallback>
-                <p:oleObj name="Acrobat Document" r:id="rId7" imgW="0" imgH="0" progId="AcroExch.Document.DC">
+                <p:oleObj name="Acrobat Document" r:id="rId8" imgW="0" imgH="0" progId="AcroExch.Document.DC">
                   <p:embed/>
                   <p:pic>
                     <p:nvPicPr>
@@ -5877,7 +6326,7 @@
               <a:rPr lang="en-US" sz="2400" dirty="0">
                 <a:latin typeface="Georgia Pro" panose="02040502050405020303" pitchFamily="18" charset="0"/>
               </a:rPr>
-              <a:t>For all the computations the following parameters have been used:</a:t>
+              <a:t>For the results shown here the following parameters have been used:</a:t>
             </a:r>
           </a:p>
           <a:p>
@@ -6010,7 +6459,7 @@
               <a:rPr lang="en-US" sz="2400" dirty="0">
                 <a:latin typeface="Georgia Pro" panose="02040502050405020303" pitchFamily="18" charset="0"/>
               </a:rPr>
-              <a:t>Four scenarios:  (1) Constant Thrust, (2) Variable Thrust, (3) Variable thrust with constrained minimum safe altitude, (4) Ascent/Descent with constrained vertical take-off/landing.</a:t>
+              <a:t>Four scenarios: Constant Thrust, Variable Thrust, Variable thrust with constrained minimum safe altitude (a), Ascent/Descent with constrained vertical take-off/landing.</a:t>
             </a:r>
           </a:p>
           <a:p>
@@ -6025,7 +6474,7 @@
               <a:rPr lang="en-US" sz="2400" dirty="0">
                 <a:latin typeface="Georgia Pro" panose="02040502050405020303" pitchFamily="18" charset="0"/>
               </a:rPr>
-              <a:t>3D Ascent Case (5)</a:t>
+              <a:t>3D Ascent Case (b)</a:t>
             </a:r>
           </a:p>
           <a:p>
@@ -6148,23 +6597,14 @@
               <a:rPr lang="en-US" sz="1600" dirty="0">
                 <a:latin typeface="Georgia Pro" panose="02040502050405020303" pitchFamily="18" charset="0"/>
               </a:rPr>
-              <a:t>(3</a:t>
-            </a:r>
-            <a:r>
-              <a:rPr lang="en-US" sz="1600">
-                <a:latin typeface="Georgia Pro" panose="02040502050405020303" pitchFamily="18" charset="0"/>
-              </a:rPr>
-              <a:t>)                                                                               (5)</a:t>
-            </a:r>
-            <a:r>
-              <a:rPr lang="en-US" sz="2400">
+              <a:t>(a)                                                                               (b)</a:t>
+            </a:r>
+            <a:r>
+              <a:rPr lang="en-US" sz="2400" dirty="0">
                 <a:latin typeface="Georgia Pro" panose="02040502050405020303" pitchFamily="18" charset="0"/>
               </a:rPr>
               <a:t>  </a:t>
             </a:r>
-            <a:endParaRPr lang="en-US" sz="2400" dirty="0">
-              <a:latin typeface="Georgia Pro" panose="02040502050405020303" pitchFamily="18" charset="0"/>
-            </a:endParaRPr>
           </a:p>
           <a:p>
             <a:pPr algn="just">
@@ -7195,7 +7635,7 @@
           <p:nvPr/>
         </p:nvPicPr>
         <p:blipFill rotWithShape="1">
-          <a:blip r:embed="rId8">
+          <a:blip r:embed="rId9" cstate="print">
             <a:extLst>
               <a:ext uri="{28A0092B-C50C-407E-A947-70E740481C1C}">
                 <a14:useLocalDpi xmlns:a14="http://schemas.microsoft.com/office/drawing/2010/main" val="0"/>
@@ -7230,13 +7670,13 @@
           <p:nvPr/>
         </p:nvPicPr>
         <p:blipFill>
-          <a:blip r:embed="rId9">
+          <a:blip r:embed="rId10">
             <a:extLst>
               <a:ext uri="{28A0092B-C50C-407E-A947-70E740481C1C}">
                 <a14:useLocalDpi xmlns:a14="http://schemas.microsoft.com/office/drawing/2010/main" val="0"/>
               </a:ext>
               <a:ext uri="{96DAC541-7B7A-43D3-8B79-37D633B846F1}">
-                <asvg:svgBlip xmlns:asvg="http://schemas.microsoft.com/office/drawing/2016/SVG/main" r:embed="rId10"/>
+                <asvg:svgBlip xmlns:asvg="http://schemas.microsoft.com/office/drawing/2016/SVG/main" r:embed="rId11"/>
               </a:ext>
             </a:extLst>
           </a:blip>
@@ -7269,13 +7709,13 @@
           <p:nvPr/>
         </p:nvPicPr>
         <p:blipFill rotWithShape="1">
-          <a:blip r:embed="rId11">
+          <a:blip r:embed="rId12">
             <a:extLst>
               <a:ext uri="{28A0092B-C50C-407E-A947-70E740481C1C}">
                 <a14:useLocalDpi xmlns:a14="http://schemas.microsoft.com/office/drawing/2010/main" val="0"/>
               </a:ext>
               <a:ext uri="{96DAC541-7B7A-43D3-8B79-37D633B846F1}">
-                <asvg:svgBlip xmlns:asvg="http://schemas.microsoft.com/office/drawing/2016/SVG/main" r:embed="rId12"/>
+                <asvg:svgBlip xmlns:asvg="http://schemas.microsoft.com/office/drawing/2016/SVG/main" r:embed="rId13"/>
               </a:ext>
             </a:extLst>
           </a:blip>
@@ -7307,13 +7747,13 @@
           <p:nvPr/>
         </p:nvPicPr>
         <p:blipFill>
-          <a:blip r:embed="rId13">
+          <a:blip r:embed="rId14">
             <a:extLst>
               <a:ext uri="{28A0092B-C50C-407E-A947-70E740481C1C}">
                 <a14:useLocalDpi xmlns:a14="http://schemas.microsoft.com/office/drawing/2010/main" val="0"/>
               </a:ext>
               <a:ext uri="{96DAC541-7B7A-43D3-8B79-37D633B846F1}">
-                <asvg:svgBlip xmlns:asvg="http://schemas.microsoft.com/office/drawing/2016/SVG/main" r:embed="rId14"/>
+                <asvg:svgBlip xmlns:asvg="http://schemas.microsoft.com/office/drawing/2016/SVG/main" r:embed="rId15"/>
               </a:ext>
             </a:extLst>
           </a:blip>
@@ -7395,7 +7835,7 @@
               <a:rPr lang="en-US" sz="2400" dirty="0">
                 <a:latin typeface="Georgia Pro" panose="02040502050405020303" pitchFamily="18" charset="0"/>
               </a:rPr>
-              <a:t>The work done during the second semester of the Master focused on the first part of the whole trajectory, analyzing different possible scenarios.</a:t>
+              <a:t>The work done during the second semester of the Master focused on the lunar surface – LLO transfer, analyzing different possible scenarios.</a:t>
             </a:r>
           </a:p>
           <a:p>
@@ -7428,7 +7868,7 @@
           <p:nvPr/>
         </p:nvPicPr>
         <p:blipFill>
-          <a:blip r:embed="rId15">
+          <a:blip r:embed="rId16">
             <a:extLst>
               <a:ext uri="{28A0092B-C50C-407E-A947-70E740481C1C}">
                 <a14:useLocalDpi xmlns:a14="http://schemas.microsoft.com/office/drawing/2010/main" val="0"/>
@@ -7745,6 +8185,301 @@
 </a:theme>
 </file>
 
+<file path=ppt/theme/theme2.xml><?xml version="1.0" encoding="utf-8"?>
+<a:theme xmlns:a="http://schemas.openxmlformats.org/drawingml/2006/main" name="Tema di Office">
+  <a:themeElements>
+    <a:clrScheme name="Office">
+      <a:dk1>
+        <a:sysClr val="windowText" lastClr="000000"/>
+      </a:dk1>
+      <a:lt1>
+        <a:sysClr val="window" lastClr="FFFFFF"/>
+      </a:lt1>
+      <a:dk2>
+        <a:srgbClr val="44546A"/>
+      </a:dk2>
+      <a:lt2>
+        <a:srgbClr val="E7E6E6"/>
+      </a:lt2>
+      <a:accent1>
+        <a:srgbClr val="4472C4"/>
+      </a:accent1>
+      <a:accent2>
+        <a:srgbClr val="ED7D31"/>
+      </a:accent2>
+      <a:accent3>
+        <a:srgbClr val="A5A5A5"/>
+      </a:accent3>
+      <a:accent4>
+        <a:srgbClr val="FFC000"/>
+      </a:accent4>
+      <a:accent5>
+        <a:srgbClr val="5B9BD5"/>
+      </a:accent5>
+      <a:accent6>
+        <a:srgbClr val="70AD47"/>
+      </a:accent6>
+      <a:hlink>
+        <a:srgbClr val="0563C1"/>
+      </a:hlink>
+      <a:folHlink>
+        <a:srgbClr val="954F72"/>
+      </a:folHlink>
+    </a:clrScheme>
+    <a:fontScheme name="Office">
+      <a:majorFont>
+        <a:latin typeface="Calibri Light" panose="020F0302020204030204"/>
+        <a:ea typeface=""/>
+        <a:cs typeface=""/>
+        <a:font script="Jpan" typeface="游ゴシック Light"/>
+        <a:font script="Hang" typeface="맑은 고딕"/>
+        <a:font script="Hans" typeface="等线 Light"/>
+        <a:font script="Hant" typeface="新細明體"/>
+        <a:font script="Arab" typeface="Times New Roman"/>
+        <a:font script="Hebr" typeface="Times New Roman"/>
+        <a:font script="Thai" typeface="Angsana New"/>
+        <a:font script="Ethi" typeface="Nyala"/>
+        <a:font script="Beng" typeface="Vrinda"/>
+        <a:font script="Gujr" typeface="Shruti"/>
+        <a:font script="Khmr" typeface="MoolBoran"/>
+        <a:font script="Knda" typeface="Tunga"/>
+        <a:font script="Guru" typeface="Raavi"/>
+        <a:font script="Cans" typeface="Euphemia"/>
+        <a:font script="Cher" typeface="Plantagenet Cherokee"/>
+        <a:font script="Yiii" typeface="Microsoft Yi Baiti"/>
+        <a:font script="Tibt" typeface="Microsoft Himalaya"/>
+        <a:font script="Thaa" typeface="MV Boli"/>
+        <a:font script="Deva" typeface="Mangal"/>
+        <a:font script="Telu" typeface="Gautami"/>
+        <a:font script="Taml" typeface="Latha"/>
+        <a:font script="Syrc" typeface="Estrangelo Edessa"/>
+        <a:font script="Orya" typeface="Kalinga"/>
+        <a:font script="Mlym" typeface="Kartika"/>
+        <a:font script="Laoo" typeface="DokChampa"/>
+        <a:font script="Sinh" typeface="Iskoola Pota"/>
+        <a:font script="Mong" typeface="Mongolian Baiti"/>
+        <a:font script="Viet" typeface="Times New Roman"/>
+        <a:font script="Uigh" typeface="Microsoft Uighur"/>
+        <a:font script="Geor" typeface="Sylfaen"/>
+        <a:font script="Armn" typeface="Arial"/>
+        <a:font script="Bugi" typeface="Leelawadee UI"/>
+        <a:font script="Bopo" typeface="Microsoft JhengHei"/>
+        <a:font script="Java" typeface="Javanese Text"/>
+        <a:font script="Lisu" typeface="Segoe UI"/>
+        <a:font script="Mymr" typeface="Myanmar Text"/>
+        <a:font script="Nkoo" typeface="Ebrima"/>
+        <a:font script="Olck" typeface="Nirmala UI"/>
+        <a:font script="Osma" typeface="Ebrima"/>
+        <a:font script="Phag" typeface="Phagspa"/>
+        <a:font script="Syrn" typeface="Estrangelo Edessa"/>
+        <a:font script="Syrj" typeface="Estrangelo Edessa"/>
+        <a:font script="Syre" typeface="Estrangelo Edessa"/>
+        <a:font script="Sora" typeface="Nirmala UI"/>
+        <a:font script="Tale" typeface="Microsoft Tai Le"/>
+        <a:font script="Talu" typeface="Microsoft New Tai Lue"/>
+        <a:font script="Tfng" typeface="Ebrima"/>
+      </a:majorFont>
+      <a:minorFont>
+        <a:latin typeface="Calibri" panose="020F0502020204030204"/>
+        <a:ea typeface=""/>
+        <a:cs typeface=""/>
+        <a:font script="Jpan" typeface="游ゴシック"/>
+        <a:font script="Hang" typeface="맑은 고딕"/>
+        <a:font script="Hans" typeface="等线"/>
+        <a:font script="Hant" typeface="新細明體"/>
+        <a:font script="Arab" typeface="Arial"/>
+        <a:font script="Hebr" typeface="Arial"/>
+        <a:font script="Thai" typeface="Cordia New"/>
+        <a:font script="Ethi" typeface="Nyala"/>
+        <a:font script="Beng" typeface="Vrinda"/>
+        <a:font script="Gujr" typeface="Shruti"/>
+        <a:font script="Khmr" typeface="DaunPenh"/>
+        <a:font script="Knda" typeface="Tunga"/>
+        <a:font script="Guru" typeface="Raavi"/>
+        <a:font script="Cans" typeface="Euphemia"/>
+        <a:font script="Cher" typeface="Plantagenet Cherokee"/>
+        <a:font script="Yiii" typeface="Microsoft Yi Baiti"/>
+        <a:font script="Tibt" typeface="Microsoft Himalaya"/>
+        <a:font script="Thaa" typeface="MV Boli"/>
+        <a:font script="Deva" typeface="Mangal"/>
+        <a:font script="Telu" typeface="Gautami"/>
+        <a:font script="Taml" typeface="Latha"/>
+        <a:font script="Syrc" typeface="Estrangelo Edessa"/>
+        <a:font script="Orya" typeface="Kalinga"/>
+        <a:font script="Mlym" typeface="Kartika"/>
+        <a:font script="Laoo" typeface="DokChampa"/>
+        <a:font script="Sinh" typeface="Iskoola Pota"/>
+        <a:font script="Mong" typeface="Mongolian Baiti"/>
+        <a:font script="Viet" typeface="Arial"/>
+        <a:font script="Uigh" typeface="Microsoft Uighur"/>
+        <a:font script="Geor" typeface="Sylfaen"/>
+        <a:font script="Armn" typeface="Arial"/>
+        <a:font script="Bugi" typeface="Leelawadee UI"/>
+        <a:font script="Bopo" typeface="Microsoft JhengHei"/>
+        <a:font script="Java" typeface="Javanese Text"/>
+        <a:font script="Lisu" typeface="Segoe UI"/>
+        <a:font script="Mymr" typeface="Myanmar Text"/>
+        <a:font script="Nkoo" typeface="Ebrima"/>
+        <a:font script="Olck" typeface="Nirmala UI"/>
+        <a:font script="Osma" typeface="Ebrima"/>
+        <a:font script="Phag" typeface="Phagspa"/>
+        <a:font script="Syrn" typeface="Estrangelo Edessa"/>
+        <a:font script="Syrj" typeface="Estrangelo Edessa"/>
+        <a:font script="Syre" typeface="Estrangelo Edessa"/>
+        <a:font script="Sora" typeface="Nirmala UI"/>
+        <a:font script="Tale" typeface="Microsoft Tai Le"/>
+        <a:font script="Talu" typeface="Microsoft New Tai Lue"/>
+        <a:font script="Tfng" typeface="Ebrima"/>
+      </a:minorFont>
+    </a:fontScheme>
+    <a:fmtScheme name="Office">
+      <a:fillStyleLst>
+        <a:solidFill>
+          <a:schemeClr val="phClr"/>
+        </a:solidFill>
+        <a:gradFill rotWithShape="1">
+          <a:gsLst>
+            <a:gs pos="0">
+              <a:schemeClr val="phClr">
+                <a:lumMod val="110000"/>
+                <a:satMod val="105000"/>
+                <a:tint val="67000"/>
+              </a:schemeClr>
+            </a:gs>
+            <a:gs pos="50000">
+              <a:schemeClr val="phClr">
+                <a:lumMod val="105000"/>
+                <a:satMod val="103000"/>
+                <a:tint val="73000"/>
+              </a:schemeClr>
+            </a:gs>
+            <a:gs pos="100000">
+              <a:schemeClr val="phClr">
+                <a:lumMod val="105000"/>
+                <a:satMod val="109000"/>
+                <a:tint val="81000"/>
+              </a:schemeClr>
+            </a:gs>
+          </a:gsLst>
+          <a:lin ang="5400000" scaled="0"/>
+        </a:gradFill>
+        <a:gradFill rotWithShape="1">
+          <a:gsLst>
+            <a:gs pos="0">
+              <a:schemeClr val="phClr">
+                <a:satMod val="103000"/>
+                <a:lumMod val="102000"/>
+                <a:tint val="94000"/>
+              </a:schemeClr>
+            </a:gs>
+            <a:gs pos="50000">
+              <a:schemeClr val="phClr">
+                <a:satMod val="110000"/>
+                <a:lumMod val="100000"/>
+                <a:shade val="100000"/>
+              </a:schemeClr>
+            </a:gs>
+            <a:gs pos="100000">
+              <a:schemeClr val="phClr">
+                <a:lumMod val="99000"/>
+                <a:satMod val="120000"/>
+                <a:shade val="78000"/>
+              </a:schemeClr>
+            </a:gs>
+          </a:gsLst>
+          <a:lin ang="5400000" scaled="0"/>
+        </a:gradFill>
+      </a:fillStyleLst>
+      <a:lnStyleLst>
+        <a:ln w="6350" cap="flat" cmpd="sng" algn="ctr">
+          <a:solidFill>
+            <a:schemeClr val="phClr"/>
+          </a:solidFill>
+          <a:prstDash val="solid"/>
+          <a:miter lim="800000"/>
+        </a:ln>
+        <a:ln w="12700" cap="flat" cmpd="sng" algn="ctr">
+          <a:solidFill>
+            <a:schemeClr val="phClr"/>
+          </a:solidFill>
+          <a:prstDash val="solid"/>
+          <a:miter lim="800000"/>
+        </a:ln>
+        <a:ln w="19050" cap="flat" cmpd="sng" algn="ctr">
+          <a:solidFill>
+            <a:schemeClr val="phClr"/>
+          </a:solidFill>
+          <a:prstDash val="solid"/>
+          <a:miter lim="800000"/>
+        </a:ln>
+      </a:lnStyleLst>
+      <a:effectStyleLst>
+        <a:effectStyle>
+          <a:effectLst/>
+        </a:effectStyle>
+        <a:effectStyle>
+          <a:effectLst/>
+        </a:effectStyle>
+        <a:effectStyle>
+          <a:effectLst>
+            <a:outerShdw blurRad="57150" dist="19050" dir="5400000" algn="ctr" rotWithShape="0">
+              <a:srgbClr val="000000">
+                <a:alpha val="63000"/>
+              </a:srgbClr>
+            </a:outerShdw>
+          </a:effectLst>
+        </a:effectStyle>
+      </a:effectStyleLst>
+      <a:bgFillStyleLst>
+        <a:solidFill>
+          <a:schemeClr val="phClr"/>
+        </a:solidFill>
+        <a:solidFill>
+          <a:schemeClr val="phClr">
+            <a:tint val="95000"/>
+            <a:satMod val="170000"/>
+          </a:schemeClr>
+        </a:solidFill>
+        <a:gradFill rotWithShape="1">
+          <a:gsLst>
+            <a:gs pos="0">
+              <a:schemeClr val="phClr">
+                <a:tint val="93000"/>
+                <a:satMod val="150000"/>
+                <a:shade val="98000"/>
+                <a:lumMod val="102000"/>
+              </a:schemeClr>
+            </a:gs>
+            <a:gs pos="50000">
+              <a:schemeClr val="phClr">
+                <a:tint val="98000"/>
+                <a:satMod val="130000"/>
+                <a:shade val="90000"/>
+                <a:lumMod val="103000"/>
+              </a:schemeClr>
+            </a:gs>
+            <a:gs pos="100000">
+              <a:schemeClr val="phClr">
+                <a:shade val="63000"/>
+                <a:satMod val="120000"/>
+              </a:schemeClr>
+            </a:gs>
+          </a:gsLst>
+          <a:lin ang="5400000" scaled="0"/>
+        </a:gradFill>
+      </a:bgFillStyleLst>
+    </a:fmtScheme>
+  </a:themeElements>
+  <a:objectDefaults/>
+  <a:extraClrSchemeLst/>
+  <a:extLst>
+    <a:ext uri="{05A4C25C-085E-4340-85A3-A5531E510DB2}">
+      <thm15:themeFamily xmlns:thm15="http://schemas.microsoft.com/office/thememl/2012/main" name="Office Theme" id="{62F939B6-93AF-4DB8-9C6B-D6C7DFDC589F}" vid="{4A3C46E8-61CC-4603-A589-7422A47A8E4A}"/>
+    </a:ext>
+  </a:extLst>
+</a:theme>
+</file>
+
 <file path=ppt/webextensions/taskpanes.xml><?xml version="1.0" encoding="utf-8"?>
 <wetp:taskpanes xmlns:wetp="http://schemas.microsoft.com/office/webextensions/taskpanes/2010/11">
   <wetp:taskpane dockstate="right" visibility="0" width="350" row="5">

--- a/resources/presentations/Fossa_Micel_RP_Poster.pptx
+++ b/resources/presentations/Fossa_Micel_RP_Poster.pptx
@@ -181,12 +181,12 @@
   <pc:docChgLst>
     <pc:chgData name="Giuliana Miceli" userId="5f1c9d0e36796aec" providerId="LiveId" clId="{32DCAD44-71EF-4236-940E-80FFCD1C60D1}"/>
     <pc:docChg chg="undo custSel modSld">
-      <pc:chgData name="Giuliana Miceli" userId="5f1c9d0e36796aec" providerId="LiveId" clId="{32DCAD44-71EF-4236-940E-80FFCD1C60D1}" dt="2019-11-17T12:56:43.464" v="6934" actId="20577"/>
+      <pc:chgData name="Giuliana Miceli" userId="5f1c9d0e36796aec" providerId="LiveId" clId="{32DCAD44-71EF-4236-940E-80FFCD1C60D1}" dt="2019-11-19T15:24:36.434" v="6965" actId="20577"/>
       <pc:docMkLst>
         <pc:docMk/>
       </pc:docMkLst>
       <pc:sldChg chg="addSp delSp modSp">
-        <pc:chgData name="Giuliana Miceli" userId="5f1c9d0e36796aec" providerId="LiveId" clId="{32DCAD44-71EF-4236-940E-80FFCD1C60D1}" dt="2019-11-17T12:56:43.464" v="6934" actId="20577"/>
+        <pc:chgData name="Giuliana Miceli" userId="5f1c9d0e36796aec" providerId="LiveId" clId="{32DCAD44-71EF-4236-940E-80FFCD1C60D1}" dt="2019-11-19T15:24:36.434" v="6965" actId="20577"/>
         <pc:sldMkLst>
           <pc:docMk/>
           <pc:sldMk cId="0" sldId="258"/>
@@ -216,7 +216,7 @@
           </ac:spMkLst>
         </pc:spChg>
         <pc:spChg chg="add mod ord">
-          <ac:chgData name="Giuliana Miceli" userId="5f1c9d0e36796aec" providerId="LiveId" clId="{32DCAD44-71EF-4236-940E-80FFCD1C60D1}" dt="2019-11-17T11:18:53.519" v="6100" actId="20577"/>
+          <ac:chgData name="Giuliana Miceli" userId="5f1c9d0e36796aec" providerId="LiveId" clId="{32DCAD44-71EF-4236-940E-80FFCD1C60D1}" dt="2019-11-19T15:11:21.405" v="6946" actId="2"/>
           <ac:spMkLst>
             <pc:docMk/>
             <pc:sldMk cId="0" sldId="258"/>
@@ -272,7 +272,7 @@
           </ac:spMkLst>
         </pc:spChg>
         <pc:spChg chg="add mod">
-          <ac:chgData name="Giuliana Miceli" userId="5f1c9d0e36796aec" providerId="LiveId" clId="{32DCAD44-71EF-4236-940E-80FFCD1C60D1}" dt="2019-11-17T12:56:43.464" v="6934" actId="20577"/>
+          <ac:chgData name="Giuliana Miceli" userId="5f1c9d0e36796aec" providerId="LiveId" clId="{32DCAD44-71EF-4236-940E-80FFCD1C60D1}" dt="2019-11-19T15:24:36.434" v="6965" actId="20577"/>
           <ac:spMkLst>
             <pc:docMk/>
             <pc:sldMk cId="0" sldId="258"/>
@@ -280,7 +280,7 @@
           </ac:spMkLst>
         </pc:spChg>
         <pc:spChg chg="mod topLvl">
-          <ac:chgData name="Giuliana Miceli" userId="5f1c9d0e36796aec" providerId="LiveId" clId="{32DCAD44-71EF-4236-940E-80FFCD1C60D1}" dt="2019-11-17T12:40:47.052" v="6770" actId="20577"/>
+          <ac:chgData name="Giuliana Miceli" userId="5f1c9d0e36796aec" providerId="LiveId" clId="{32DCAD44-71EF-4236-940E-80FFCD1C60D1}" dt="2019-11-19T15:11:26.553" v="6951" actId="2"/>
           <ac:spMkLst>
             <pc:docMk/>
             <pc:sldMk cId="0" sldId="258"/>
@@ -352,7 +352,7 @@
           </ac:spMkLst>
         </pc:spChg>
         <pc:spChg chg="mod">
-          <ac:chgData name="Giuliana Miceli" userId="5f1c9d0e36796aec" providerId="LiveId" clId="{32DCAD44-71EF-4236-940E-80FFCD1C60D1}" dt="2019-11-17T12:47:48.552" v="6802" actId="20577"/>
+          <ac:chgData name="Giuliana Miceli" userId="5f1c9d0e36796aec" providerId="LiveId" clId="{32DCAD44-71EF-4236-940E-80FFCD1C60D1}" dt="2019-11-19T15:11:18.545" v="6944" actId="2"/>
           <ac:spMkLst>
             <pc:docMk/>
             <pc:sldMk cId="0" sldId="258"/>
@@ -360,7 +360,7 @@
           </ac:spMkLst>
         </pc:spChg>
         <pc:spChg chg="mod">
-          <ac:chgData name="Giuliana Miceli" userId="5f1c9d0e36796aec" providerId="LiveId" clId="{32DCAD44-71EF-4236-940E-80FFCD1C60D1}" dt="2019-11-17T11:48:57.468" v="6581" actId="179"/>
+          <ac:chgData name="Giuliana Miceli" userId="5f1c9d0e36796aec" providerId="LiveId" clId="{32DCAD44-71EF-4236-940E-80FFCD1C60D1}" dt="2019-11-19T15:11:12.159" v="6940" actId="2"/>
           <ac:spMkLst>
             <pc:docMk/>
             <pc:sldMk cId="0" sldId="258"/>
@@ -384,7 +384,7 @@
           </ac:grpSpMkLst>
         </pc:grpChg>
         <pc:graphicFrameChg chg="add mod modGraphic">
-          <ac:chgData name="Giuliana Miceli" userId="5f1c9d0e36796aec" providerId="LiveId" clId="{32DCAD44-71EF-4236-940E-80FFCD1C60D1}" dt="2019-11-17T12:50:04.199" v="6836" actId="20577"/>
+          <ac:chgData name="Giuliana Miceli" userId="5f1c9d0e36796aec" providerId="LiveId" clId="{32DCAD44-71EF-4236-940E-80FFCD1C60D1}" dt="2019-11-19T15:11:31.514" v="6955" actId="2"/>
           <ac:graphicFrameMkLst>
             <pc:docMk/>
             <pc:sldMk cId="0" sldId="258"/>
@@ -416,7 +416,7 @@
           </ac:graphicFrameMkLst>
         </pc:graphicFrameChg>
         <pc:graphicFrameChg chg="add mod modGraphic">
-          <ac:chgData name="Giuliana Miceli" userId="5f1c9d0e36796aec" providerId="LiveId" clId="{32DCAD44-71EF-4236-940E-80FFCD1C60D1}" dt="2019-11-17T12:54:08.117" v="6929" actId="1036"/>
+          <ac:chgData name="Giuliana Miceli" userId="5f1c9d0e36796aec" providerId="LiveId" clId="{32DCAD44-71EF-4236-940E-80FFCD1C60D1}" dt="2019-11-19T15:11:33.381" v="6957" actId="2"/>
           <ac:graphicFrameMkLst>
             <pc:docMk/>
             <pc:sldMk cId="0" sldId="258"/>
@@ -702,7 +702,7 @@
             </a:lvl1pPr>
           </a:lstStyle>
           <a:p>
-            <a:endParaRPr lang="en-US"/>
+            <a:endParaRPr lang="en-US" dirty="0"/>
           </a:p>
         </p:txBody>
       </p:sp>
@@ -737,7 +737,7 @@
               <a:rPr lang="en-US" smtClean="0"/>
               <a:t>11/19/2019</a:t>
             </a:fld>
-            <a:endParaRPr lang="en-US"/>
+            <a:endParaRPr lang="en-US" dirty="0"/>
           </a:p>
         </p:txBody>
       </p:sp>
@@ -770,7 +770,7 @@
           <a:bodyPr vert="horz" lIns="91440" tIns="45720" rIns="91440" bIns="45720" rtlCol="0" anchor="ctr"/>
           <a:lstStyle/>
           <a:p>
-            <a:endParaRPr lang="en-US"/>
+            <a:endParaRPr lang="en-US" dirty="0"/>
           </a:p>
         </p:txBody>
       </p:sp>
@@ -861,7 +861,7 @@
             </a:lvl1pPr>
           </a:lstStyle>
           <a:p>
-            <a:endParaRPr lang="en-US"/>
+            <a:endParaRPr lang="en-US" dirty="0"/>
           </a:p>
         </p:txBody>
       </p:sp>
@@ -896,7 +896,7 @@
               <a:rPr lang="en-US" smtClean="0"/>
               <a:t>‹N›</a:t>
             </a:fld>
-            <a:endParaRPr lang="en-US"/>
+            <a:endParaRPr lang="en-US" dirty="0"/>
           </a:p>
         </p:txBody>
       </p:sp>
@@ -1070,7 +1070,7 @@
               <a:rPr lang="en-US" smtClean="0"/>
               <a:t>1</a:t>
             </a:fld>
-            <a:endParaRPr lang="en-US"/>
+            <a:endParaRPr lang="en-US" dirty="0"/>
           </a:p>
         </p:txBody>
       </p:sp>
@@ -4482,7 +4482,7 @@
           <a:lstStyle/>
           <a:p>
             <a:pPr algn="ctr"/>
-            <a:endParaRPr lang="fr-FR" sz="4145"/>
+            <a:endParaRPr lang="fr-FR" sz="4145" dirty="0"/>
           </a:p>
         </p:txBody>
       </p:sp>
@@ -4579,7 +4579,7 @@
           <a:lstStyle/>
           <a:p>
             <a:pPr algn="ctr"/>
-            <a:endParaRPr lang="fr-FR" sz="4145"/>
+            <a:endParaRPr lang="fr-FR" sz="4145" dirty="0"/>
           </a:p>
         </p:txBody>
       </p:sp>
@@ -4927,37 +4927,7 @@
                 <a:latin typeface="Georgia" panose="02040502050405020303"/>
                 <a:ea typeface="Georgia" panose="02040502050405020303"/>
               </a:rPr>
-              <a:t>Optimal control of Trajectory of reusable launcher in </a:t>
-            </a:r>
-            <a:r>
-              <a:rPr lang="en-US" sz="5000" b="1" spc="-1" dirty="0" err="1">
-                <a:solidFill>
-                  <a:schemeClr val="bg1"/>
-                </a:solidFill>
-                <a:latin typeface="Georgia" panose="02040502050405020303"/>
-                <a:ea typeface="Georgia" panose="02040502050405020303"/>
-              </a:rPr>
-              <a:t>OpenMDAO</a:t>
-            </a:r>
-            <a:r>
-              <a:rPr lang="en-US" sz="5000" b="1" spc="-1" dirty="0">
-                <a:solidFill>
-                  <a:schemeClr val="bg1"/>
-                </a:solidFill>
-                <a:latin typeface="Georgia" panose="02040502050405020303"/>
-                <a:ea typeface="Georgia" panose="02040502050405020303"/>
-              </a:rPr>
-              <a:t>/</a:t>
-            </a:r>
-            <a:r>
-              <a:rPr lang="en-US" sz="5000" b="1" spc="-1" dirty="0" err="1">
-                <a:solidFill>
-                  <a:schemeClr val="bg1"/>
-                </a:solidFill>
-                <a:latin typeface="Georgia" panose="02040502050405020303"/>
-                <a:ea typeface="Georgia" panose="02040502050405020303"/>
-              </a:rPr>
-              <a:t>dymos</a:t>
+              <a:t>Optimal control of Trajectory of reusable launcher in OpenMDAO/dymos</a:t>
             </a:r>
             <a:endParaRPr lang="en-US" sz="5000" spc="-1" dirty="0">
               <a:solidFill>
@@ -5082,25 +5052,7 @@
                 </a:solidFill>
                 <a:latin typeface="+mj-lt"/>
               </a:rPr>
-              <a:t>ISAE-SUPAERO, </a:t>
-            </a:r>
-            <a:r>
-              <a:rPr lang="en-US" sz="2200" dirty="0" err="1">
-                <a:solidFill>
-                  <a:schemeClr val="bg1"/>
-                </a:solidFill>
-                <a:latin typeface="+mj-lt"/>
-              </a:rPr>
-              <a:t>Université</a:t>
-            </a:r>
-            <a:r>
-              <a:rPr lang="en-US" sz="2200" dirty="0">
-                <a:solidFill>
-                  <a:schemeClr val="bg1"/>
-                </a:solidFill>
-                <a:latin typeface="+mj-lt"/>
-              </a:rPr>
-              <a:t> de Toulouse, France</a:t>
+              <a:t>ISAE-SUPAERO, Université de Toulouse, France</a:t>
             </a:r>
             <a:endParaRPr lang="pt-BR" sz="2200" dirty="0">
               <a:solidFill>
@@ -5183,31 +5135,7 @@
               <a:rPr lang="en-IN" sz="1400" dirty="0">
                 <a:latin typeface="+mj-lt"/>
               </a:rPr>
-              <a:t> J. S. </a:t>
-            </a:r>
-            <a:r>
-              <a:rPr lang="en-IN" sz="1400" dirty="0" err="1">
-                <a:latin typeface="+mj-lt"/>
-              </a:rPr>
-              <a:t>Gray</a:t>
-            </a:r>
-            <a:r>
-              <a:rPr lang="en-IN" sz="1400" dirty="0">
-                <a:latin typeface="+mj-lt"/>
-              </a:rPr>
-              <a:t>, et al. “</a:t>
-            </a:r>
-            <a:r>
-              <a:rPr lang="en-IN" sz="1400" dirty="0" err="1">
-                <a:latin typeface="+mj-lt"/>
-              </a:rPr>
-              <a:t>OpenMDAO</a:t>
-            </a:r>
-            <a:r>
-              <a:rPr lang="en-IN" sz="1400" dirty="0">
-                <a:latin typeface="+mj-lt"/>
-              </a:rPr>
-              <a:t>:  an  open-source framework for multidisciplinary design, analysis,  and optimization”,  2019.</a:t>
+              <a:t> J. S. Gray, et al. “OpenMDAO:  an  open-source framework for multidisciplinary design, analysis,  and optimization”,  2019.</a:t>
             </a:r>
           </a:p>
           <a:p>
@@ -5228,16 +5156,10 @@
               <a:t>ӓ</a:t>
             </a:r>
             <a:r>
-              <a:rPr lang="en-IN" sz="1400" dirty="0" err="1">
-                <a:latin typeface="+mj-lt"/>
-              </a:rPr>
-              <a:t>chter</a:t>
-            </a:r>
-            <a:r>
               <a:rPr lang="en-IN" sz="1400" dirty="0">
                 <a:latin typeface="+mj-lt"/>
               </a:rPr>
-              <a:t> et al. “On  the  implementation of an interior-point filter line-search algorithm for large-scale nonlinear programming”, 2006.  </a:t>
+              <a:t>chter et al. “On  the  implementation of an interior-point filter line-search algorithm for large-scale nonlinear programming”, 2006.  </a:t>
             </a:r>
           </a:p>
           <a:p>
@@ -5273,19 +5195,7 @@
               <a:rPr lang="en-US" sz="1400" dirty="0">
                 <a:latin typeface="+mj-lt"/>
               </a:rPr>
-              <a:t> Mohamed Amine </a:t>
-            </a:r>
-            <a:r>
-              <a:rPr lang="en-US" sz="1400" dirty="0" err="1">
-                <a:latin typeface="+mj-lt"/>
-              </a:rPr>
-              <a:t>Bouhlel</a:t>
-            </a:r>
-            <a:r>
-              <a:rPr lang="en-US" sz="1400" dirty="0">
-                <a:latin typeface="+mj-lt"/>
-              </a:rPr>
-              <a:t> et al. “A Python surrogate modeling framework with derivatives”, 2019.</a:t>
+              <a:t> Mohamed Amine Bouhlel et al. “A Python surrogate modeling framework with derivatives”, 2019.</a:t>
             </a:r>
             <a:endParaRPr lang="en-US" sz="1600" dirty="0">
               <a:latin typeface="+mj-lt"/>
@@ -5719,31 +5629,7 @@
                 <a:rPr lang="en-US" sz="2400" dirty="0">
                   <a:latin typeface="Georgia Pro" panose="02040502050405020303" pitchFamily="18" charset="0"/>
                 </a:rPr>
-                <a:t>The principal tools used to achieve the final goal are </a:t>
-              </a:r>
-              <a:r>
-                <a:rPr lang="en-US" sz="2400" dirty="0" err="1">
-                  <a:latin typeface="Georgia Pro" panose="02040502050405020303" pitchFamily="18" charset="0"/>
-                </a:rPr>
-                <a:t>OpenMDAO</a:t>
-              </a:r>
-              <a:r>
-                <a:rPr lang="en-US" sz="2400" dirty="0">
-                  <a:latin typeface="Georgia Pro" panose="02040502050405020303" pitchFamily="18" charset="0"/>
-                </a:rPr>
-                <a:t> and </a:t>
-              </a:r>
-              <a:r>
-                <a:rPr lang="en-US" sz="2400" dirty="0" err="1">
-                  <a:latin typeface="Georgia Pro" panose="02040502050405020303" pitchFamily="18" charset="0"/>
-                </a:rPr>
-                <a:t>Dymos</a:t>
-              </a:r>
-              <a:r>
-                <a:rPr lang="en-US" sz="2400" dirty="0">
-                  <a:latin typeface="Georgia Pro" panose="02040502050405020303" pitchFamily="18" charset="0"/>
-                </a:rPr>
-                <a:t>, two Python libraries that provide a user-friendly and powerful interface for solving optimal control problems through different numerical techniques. </a:t>
+                <a:t>The principal tools used to achieve the final goal are OpenMDAO and Dymos, two Python libraries that provide a user-friendly and powerful interface for solving optimal control problems through different numerical techniques. </a:t>
               </a:r>
             </a:p>
           </p:txBody>
@@ -5952,67 +5838,7 @@
                   <a:rPr lang="en-US" sz="2400" dirty="0">
                     <a:latin typeface="Georgia Pro" panose="02040502050405020303" pitchFamily="18" charset="0"/>
                   </a:rPr>
-                  <a:t>The optimal control problem is solved through a direct method. It is transcribed into a Nonlinear Programming problem (NLP) and solved with an iterative routine. The states and controls are discretized in time and then approximated with an interpolating polynomial to fit the discrete data. High-Order Gauss-</a:t>
-                </a:r>
-                <a:r>
-                  <a:rPr lang="en-US" sz="2400" dirty="0" err="1">
-                    <a:latin typeface="Georgia Pro" panose="02040502050405020303" pitchFamily="18" charset="0"/>
-                  </a:rPr>
-                  <a:t>Lobatto</a:t>
-                </a:r>
-                <a:r>
-                  <a:rPr lang="en-US" sz="2400" dirty="0">
-                    <a:latin typeface="Georgia Pro" panose="02040502050405020303" pitchFamily="18" charset="0"/>
-                  </a:rPr>
-                  <a:t> and </a:t>
-                </a:r>
-                <a:r>
-                  <a:rPr lang="en-US" sz="2400" dirty="0" err="1">
-                    <a:latin typeface="Georgia Pro" panose="02040502050405020303" pitchFamily="18" charset="0"/>
-                  </a:rPr>
-                  <a:t>Radau</a:t>
-                </a:r>
-                <a:r>
-                  <a:rPr lang="en-US" sz="2400" dirty="0">
-                    <a:latin typeface="Georgia Pro" panose="02040502050405020303" pitchFamily="18" charset="0"/>
-                  </a:rPr>
-                  <a:t> </a:t>
-                </a:r>
-                <a:r>
-                  <a:rPr lang="en-US" sz="2400" dirty="0" err="1">
-                    <a:latin typeface="Georgia Pro" panose="02040502050405020303" pitchFamily="18" charset="0"/>
-                  </a:rPr>
-                  <a:t>Pseudospectral</a:t>
-                </a:r>
-                <a:r>
-                  <a:rPr lang="en-US" sz="2400" dirty="0">
-                    <a:latin typeface="Georgia Pro" panose="02040502050405020303" pitchFamily="18" charset="0"/>
-                  </a:rPr>
-                  <a:t> are the transcription methods mostly used and thus implemented in different libraries. The open-source, Python-based </a:t>
-                </a:r>
-                <a:r>
-                  <a:rPr lang="en-US" sz="2400" dirty="0" err="1">
-                    <a:latin typeface="Georgia Pro" panose="02040502050405020303" pitchFamily="18" charset="0"/>
-                  </a:rPr>
-                  <a:t>Dymos</a:t>
-                </a:r>
-                <a:r>
-                  <a:rPr lang="en-US" sz="2400" dirty="0">
-                    <a:latin typeface="Georgia Pro" panose="02040502050405020303" pitchFamily="18" charset="0"/>
-                  </a:rPr>
-                  <a:t> library [1] takes advantage of the </a:t>
-                </a:r>
-                <a:r>
-                  <a:rPr lang="en-US" sz="2400" dirty="0" err="1">
-                    <a:latin typeface="Georgia Pro" panose="02040502050405020303" pitchFamily="18" charset="0"/>
-                  </a:rPr>
-                  <a:t>OpenMDAO</a:t>
-                </a:r>
-                <a:r>
-                  <a:rPr lang="en-US" sz="2400" dirty="0">
-                    <a:latin typeface="Georgia Pro" panose="02040502050405020303" pitchFamily="18" charset="0"/>
-                  </a:rPr>
-                  <a:t> [2] framework to perform such a transcription and solves the resulting NLP problem wrapping an external gradient-based solver such as IPOPT [3-4] or SNOPT [5].  Throughout this work the optimal transfer trajectories are obtained as solutions of a continuous-time optimal control problem arisen from the equations of motion (EOMs) that describe the spacecraft dynamics under the restricted two-body problem assumption. A transcription method is then applied to convert the optimal control problem into the corresponding NLP problem which is then numerically solved with an appropriate iterative algorithm. Since the main goal is to find the most fuel-efficient ascent trajectory the resulting objective function is given by:</a:t>
+                  <a:t>The optimal control problem is solved through a direct method. It is transcribed into a Nonlinear Programming problem (NLP) and solved with an iterative routine. The states and controls are discretized in time and then approximated with an interpolating polynomial to fit the discrete data. High-Order Gauss-Lobatto and Radau Pseudospectral are the transcription methods mostly used and thus implemented in different libraries. The open-source, Python-based Dymos library [1] takes advantage of the OpenMDAO [2] framework to perform such a transcription and solves the resulting NLP problem wrapping an external gradient-based solver such as IPOPT [3-4] or SNOPT [5].  Throughout this work the optimal transfer trajectories are obtained as solutions of a continuous-time optimal control problem arisen from the equations of motion (EOMs) that describe the spacecraft dynamics under the restricted two-body problem assumption. A transcription method is then applied to convert the optimal control problem into the corresponding NLP problem which is then numerically solved with an appropriate iterative algorithm. Since the main goal is to find the most fuel-efficient ascent trajectory the resulting objective function is given by:</a:t>
                 </a:r>
               </a:p>
               <a:p>
@@ -6226,7 +6052,7 @@
           <a:graphicData uri="http://schemas.openxmlformats.org/presentationml/2006/ole">
             <mc:AlternateContent xmlns:mc="http://schemas.openxmlformats.org/markup-compatibility/2006">
               <mc:Choice xmlns:v="urn:schemas-microsoft-com:vml" Requires="v">
-                <p:oleObj spid="_x0000_s1029" name="Acrobat Document" r:id="rId8" imgW="0" imgH="0" progId="AcroExch.Document.DC">
+                <p:oleObj spid="_x0000_s1026" name="Acrobat Document" r:id="rId8" imgW="0" imgH="0" progId="AcroExch.Document.DC">
                   <p:embed/>
                 </p:oleObj>
               </mc:Choice>
@@ -6814,31 +6640,19 @@
               <a:rPr lang="en-US" sz="2400" dirty="0">
                 <a:latin typeface="Georgia Pro" panose="02040502050405020303" pitchFamily="18" charset="0"/>
               </a:rPr>
-              <a:t>The project is placed in the context of a future reusable launcher design, all the disciplines involved will be dynamically optimized with a multidisciplinary optimization method. In order to speed up the iterative process related to the overall optimization, the results coming from the trajectory block are given using a surrogate model such as one implemented in the SMT [6] python library. It consists in a grid containing all the possible results obtainable by the trajectory, considering all the intervals value of ISP and </a:t>
-            </a:r>
-            <a:r>
-              <a:rPr lang="en-US" sz="2400" dirty="0" err="1">
+              <a:t>The project is placed in the context of a future reusable launcher design, all the disciplines involved will be dynamically optimized with a multidisciplinary optimization method. In order to speed up the iterative process related to the overall optimization, the results coming from the trajectory block are given using a surrogate model such as the one implemented in the SMT [6] python library. It consists in a grid containing all the possible results obtainable by the trajectory, considering all </a:t>
+            </a:r>
+            <a:r>
+              <a:rPr lang="en-US" sz="2400">
                 <a:latin typeface="Georgia Pro" panose="02040502050405020303" pitchFamily="18" charset="0"/>
               </a:rPr>
-              <a:t>twr</a:t>
+              <a:t>the interval values </a:t>
             </a:r>
             <a:r>
               <a:rPr lang="en-US" sz="2400" dirty="0">
                 <a:latin typeface="Georgia Pro" panose="02040502050405020303" pitchFamily="18" charset="0"/>
               </a:rPr>
-              <a:t>. A limited number of solution are computed taking couples of ISP-</a:t>
-            </a:r>
-            <a:r>
-              <a:rPr lang="en-US" sz="2400" dirty="0" err="1">
-                <a:latin typeface="Georgia Pro" panose="02040502050405020303" pitchFamily="18" charset="0"/>
-              </a:rPr>
-              <a:t>twr</a:t>
-            </a:r>
-            <a:r>
-              <a:rPr lang="en-US" sz="2400" dirty="0">
-                <a:latin typeface="Georgia Pro" panose="02040502050405020303" pitchFamily="18" charset="0"/>
-              </a:rPr>
-              <a:t> values with a Latin Hypercube Distribution, then the remaining cases are found interpolating the point previously obtained. </a:t>
+              <a:t>of ISP and twr. A limited number of solutions are computed taking couples of ISP-twr values with a Latin Hypercube Distribution, then the remaining cases are found interpolating the point previously obtained. </a:t>
             </a:r>
             <a:endParaRPr lang="en-US" sz="2800" dirty="0"/>
           </a:p>
@@ -6859,7 +6673,7 @@
           <p:nvPr>
             <p:extLst>
               <p:ext uri="{D42A27DB-BD31-4B8C-83A1-F6EECF244321}">
-                <p14:modId xmlns:p14="http://schemas.microsoft.com/office/powerpoint/2010/main" val="2681935241"/>
+                <p14:modId xmlns:p14="http://schemas.microsoft.com/office/powerpoint/2010/main" val="3198994490"/>
               </p:ext>
             </p:extLst>
           </p:nvPr>
@@ -6980,14 +6794,11 @@
                     <a:p>
                       <a:pPr algn="ctr"/>
                       <a:r>
-                        <a:rPr lang="en-US" sz="2000" dirty="0" err="1">
+                        <a:rPr lang="en-US" sz="2000" dirty="0">
                           <a:latin typeface="Georgia Pro" panose="02040502050405020303" pitchFamily="18" charset="0"/>
                         </a:rPr>
                         <a:t>Isp</a:t>
                       </a:r>
-                      <a:endParaRPr lang="en-US" sz="2000" dirty="0">
-                        <a:latin typeface="Georgia Pro" panose="02040502050405020303" pitchFamily="18" charset="0"/>
-                      </a:endParaRPr>
                     </a:p>
                   </a:txBody>
                   <a:tcPr/>
@@ -7054,14 +6865,11 @@
                     <a:p>
                       <a:pPr algn="ctr"/>
                       <a:r>
-                        <a:rPr lang="en-US" sz="2000" dirty="0" err="1">
+                        <a:rPr lang="en-US" sz="2000" dirty="0">
                           <a:latin typeface="Georgia Pro" panose="02040502050405020303" pitchFamily="18" charset="0"/>
                         </a:rPr>
                         <a:t>twr</a:t>
                       </a:r>
-                      <a:endParaRPr lang="en-US" sz="2000" dirty="0">
-                        <a:latin typeface="Georgia Pro" panose="02040502050405020303" pitchFamily="18" charset="0"/>
-                      </a:endParaRPr>
                     </a:p>
                   </a:txBody>
                   <a:tcPr/>
@@ -7392,7 +7200,7 @@
           <p:nvPr>
             <p:extLst>
               <p:ext uri="{D42A27DB-BD31-4B8C-83A1-F6EECF244321}">
-                <p14:modId xmlns:p14="http://schemas.microsoft.com/office/powerpoint/2010/main" val="1097263864"/>
+                <p14:modId xmlns:p14="http://schemas.microsoft.com/office/powerpoint/2010/main" val="594310122"/>
               </p:ext>
             </p:extLst>
           </p:nvPr>
@@ -7493,13 +7301,13 @@
                     <a:p>
                       <a:pPr algn="ctr"/>
                       <a:r>
-                        <a:rPr lang="en-US" sz="2000" dirty="0" err="1">
+                        <a:rPr lang="en-US" sz="2000" dirty="0">
                           <a:latin typeface="Georgia Pro" panose="02040502050405020303" pitchFamily="18" charset="0"/>
                         </a:rPr>
                         <a:t>Periapsis</a:t>
                       </a:r>
                       <a:r>
-                        <a:rPr lang="en-US" sz="2000" baseline="-25000" dirty="0" err="1">
+                        <a:rPr lang="en-US" sz="2000" baseline="-25000" dirty="0">
                           <a:latin typeface="Georgia Pro" panose="02040502050405020303" pitchFamily="18" charset="0"/>
                         </a:rPr>
                         <a:t>HEO</a:t>
@@ -7557,20 +7365,17 @@
                     <a:p>
                       <a:pPr algn="ctr"/>
                       <a:r>
-                        <a:rPr lang="en-US" sz="2000" baseline="0" dirty="0" err="1">
+                        <a:rPr lang="en-US" sz="2000" baseline="0" dirty="0">
                           <a:latin typeface="Georgia Pro" panose="02040502050405020303" pitchFamily="18" charset="0"/>
                         </a:rPr>
                         <a:t>Apoapsis</a:t>
                       </a:r>
                       <a:r>
-                        <a:rPr lang="en-US" sz="2000" baseline="-25000" dirty="0" err="1">
+                        <a:rPr lang="en-US" sz="2000" baseline="-25000" dirty="0">
                           <a:latin typeface="Georgia Pro" panose="02040502050405020303" pitchFamily="18" charset="0"/>
                         </a:rPr>
                         <a:t>HEO</a:t>
                       </a:r>
-                      <a:endParaRPr lang="en-US" sz="2000" baseline="-25000" dirty="0">
-                        <a:latin typeface="Georgia Pro" panose="02040502050405020303" pitchFamily="18" charset="0"/>
-                      </a:endParaRPr>
                     </a:p>
                   </a:txBody>
                   <a:tcPr/>
